--- a/A조 발표/A조 폼보드(수정).pptx
+++ b/A조 발표/A조 폼보드(수정).pptx
@@ -2,7 +2,7 @@
 <file path=ppt/presentation.xml><?xml version="1.0" encoding="utf-8"?>
 <p:presentation xmlns:r="http://schemas.openxmlformats.org/officeDocument/2006/relationships" xmlns:c="http://schemas.openxmlformats.org/drawingml/2006/chart" xmlns:a="http://schemas.openxmlformats.org/drawingml/2006/main" xmlns:dgm="http://schemas.openxmlformats.org/drawingml/2006/diagram" xmlns:dsp="http://schemas.microsoft.com/office/drawing/2008/diagram" xmlns:p="http://schemas.openxmlformats.org/presentationml/2006/main">
   <p:sldMasterIdLst>
-    <p:sldMasterId id="2147483701" r:id="rId1"/>
+    <p:sldMasterId id="2147483685" r:id="rId1"/>
   </p:sldMasterIdLst>
   <p:notesMasterIdLst>
     <p:notesMasterId r:id="rId2"/>
@@ -5412,35 +5412,6 @@
           </a:prstGeom>
         </p:spPr>
       </p:pic>
-      <p:sp>
-        <p:nvSpPr>
-          <p:cNvPr id="18" name="슬라이드 번호 개체 틀 5"/>
-          <p:cNvSpPr>
-            <a:spLocks noGrp="1"/>
-          </p:cNvSpPr>
-          <p:nvPr>
-            <p:ph type="sldNum" sz="quarter" idx="12"/>
-          </p:nvPr>
-        </p:nvSpPr>
-        <p:spPr/>
-        <p:txBody>
-          <a:bodyPr/>
-          <a:lstStyle/>
-          <a:p>
-            <a:pPr lvl="0">
-              <a:defRPr/>
-            </a:pPr>
-            <a:fld id="{AD22CD3B-FDDF-4998-970C-76E6E0BEC65F}" type="slidenum">
-              <a:rPr lang="en-US" altLang="en-US"/>
-              <a:pPr lvl="0">
-                <a:defRPr/>
-              </a:pPr>
-              <a:t>7</a:t>
-            </a:fld>
-            <a:endParaRPr lang="en-US" altLang="en-US"/>
-          </a:p>
-        </p:txBody>
-      </p:sp>
       <p:grpSp>
         <p:nvGrpSpPr>
           <p:cNvPr id="24" name="그룹 23"/>
@@ -6087,30 +6058,106 @@
           <a:chExt cx="0" cy="0"/>
         </a:xfrm>
       </p:grpSpPr>
-      <p:pic>
-        <p:nvPicPr>
-          <p:cNvPr id="232" name=""/>
-          <p:cNvPicPr>
-            <a:picLocks noChangeAspect="1"/>
-          </p:cNvPicPr>
+      <p:grpSp>
+        <p:nvGrpSpPr>
+          <p:cNvPr id="244" name=""/>
+          <p:cNvGrpSpPr/>
           <p:nvPr/>
-        </p:nvPicPr>
-        <p:blipFill rotWithShape="1">
-          <a:blip r:embed="rId3"/>
-          <a:stretch>
-            <a:fillRect/>
-          </a:stretch>
-        </p:blipFill>
-        <p:spPr>
-          <a:xfrm>
-            <a:off x="1023540" y="409560"/>
-            <a:ext cx="10144919" cy="6038880"/>
+        </p:nvGrpSpPr>
+        <p:grpSpPr>
+          <a:xfrm rot="0">
+            <a:off x="922338" y="86796"/>
+            <a:ext cx="10009982" cy="6684406"/>
+            <a:chOff x="942182" y="0"/>
+            <a:chExt cx="10009982" cy="6684406"/>
           </a:xfrm>
-          <a:prstGeom prst="rect">
-            <a:avLst/>
-          </a:prstGeom>
-        </p:spPr>
-      </p:pic>
+        </p:grpSpPr>
+        <p:pic>
+          <p:nvPicPr>
+            <p:cNvPr id="243" name=""/>
+            <p:cNvPicPr>
+              <a:picLocks noChangeAspect="1"/>
+            </p:cNvPicPr>
+            <p:nvPr/>
+          </p:nvPicPr>
+          <p:blipFill rotWithShape="1">
+            <a:blip r:embed="rId3"/>
+            <a:stretch>
+              <a:fillRect/>
+            </a:stretch>
+          </p:blipFill>
+          <p:spPr>
+            <a:xfrm>
+              <a:off x="942182" y="0"/>
+              <a:ext cx="10009982" cy="6684406"/>
+            </a:xfrm>
+            <a:prstGeom prst="rect">
+              <a:avLst/>
+            </a:prstGeom>
+          </p:spPr>
+        </p:pic>
+        <p:cxnSp>
+          <p:nvCxnSpPr>
+            <p:cNvPr id="241" name=""/>
+            <p:cNvCxnSpPr/>
+            <p:nvPr/>
+          </p:nvCxnSpPr>
+          <p:spPr>
+            <a:xfrm rot="16200000" flipH="1">
+              <a:off x="1746132" y="3424039"/>
+              <a:ext cx="6397860" cy="9919"/>
+            </a:xfrm>
+            <a:prstGeom prst="line">
+              <a:avLst/>
+            </a:prstGeom>
+            <a:ln w="38100">
+              <a:solidFill>
+                <a:srgbClr val="5a82f6"/>
+              </a:solidFill>
+            </a:ln>
+          </p:spPr>
+          <p:style>
+            <a:lnRef idx="1">
+              <a:schemeClr val="accent1"/>
+            </a:lnRef>
+            <a:fillRef idx="0">
+              <a:schemeClr val="accent1"/>
+            </a:fillRef>
+            <a:effectRef idx="0">
+              <a:schemeClr val="accent1"/>
+            </a:effectRef>
+            <a:fontRef idx="minor">
+              <a:schemeClr val="tx1"/>
+            </a:fontRef>
+          </p:style>
+        </p:cxnSp>
+        <p:cxnSp>
+          <p:nvCxnSpPr>
+            <p:cNvPr id="242" name=""/>
+            <p:cNvCxnSpPr/>
+            <p:nvPr/>
+          </p:nvCxnSpPr>
+          <p:spPr>
+            <a:xfrm rot="16200000" flipH="1">
+              <a:off x="5748220" y="3424039"/>
+              <a:ext cx="6397860" cy="9919"/>
+            </a:xfrm>
+            <a:prstGeom prst="line">
+              <a:avLst/>
+            </a:prstGeom>
+            <a:noFill/>
+            <a:ln w="38100" cap="flat" cmpd="sng" algn="ctr">
+              <a:solidFill>
+                <a:srgbClr val="5a82f6">
+                  <a:alpha val="100000"/>
+                </a:srgbClr>
+              </a:solidFill>
+              <a:prstDash val="solid"/>
+              <a:miter/>
+            </a:ln>
+          </p:spPr>
+        </p:cxnSp>
+      </p:grpSp>
     </p:spTree>
   </p:cSld>
   <p:clrMapOvr>
